--- a/presentations/SP_Status.pptx
+++ b/presentations/SP_Status.pptx
@@ -235,7 +235,7 @@
           <a:p>
             <a:fld id="{F68ABEA4-9216-4FDF-AAE1-D8632908A8EC}" type="datetimeFigureOut">
               <a:rPr lang="de-CH" smtClean="0"/>
-              <a:t>09.11.2022</a:t>
+              <a:t>10.11.2022</a:t>
             </a:fld>
             <a:endParaRPr lang="de-CH"/>
           </a:p>
@@ -412,7 +412,7 @@
           <a:p>
             <a:fld id="{4B78A90D-FE7E-41AF-B03D-808D82937CB9}" type="datetimeFigureOut">
               <a:rPr lang="de-CH" smtClean="0"/>
-              <a:t>09.11.2022</a:t>
+              <a:t>10.11.2022</a:t>
             </a:fld>
             <a:endParaRPr lang="de-CH"/>
           </a:p>
@@ -1337,7 +1337,7 @@
           <a:p>
             <a:fld id="{9C26206A-A7FF-4A2F-A4EA-EDA7D9956B8C}" type="datetime1">
               <a:rPr lang="de-CH" noProof="0" smtClean="0"/>
-              <a:t>09.11.2022</a:t>
+              <a:t>10.11.2022</a:t>
             </a:fld>
             <a:endParaRPr lang="de-CH" noProof="0"/>
           </a:p>
@@ -1532,7 +1532,7 @@
           <a:p>
             <a:fld id="{AE2B7ECC-AD5B-4AE2-A84F-7ABFC0424E38}" type="datetime1">
               <a:rPr lang="de-CH" noProof="0" smtClean="0"/>
-              <a:t>09.11.2022</a:t>
+              <a:t>10.11.2022</a:t>
             </a:fld>
             <a:endParaRPr lang="de-CH" noProof="0"/>
           </a:p>
@@ -1819,7 +1819,7 @@
           <a:p>
             <a:fld id="{5FA21818-B1F9-4DD3-88F2-43FBC3C9BAF5}" type="datetime1">
               <a:rPr lang="de-CH" noProof="0" smtClean="0"/>
-              <a:t>09.11.2022</a:t>
+              <a:t>10.11.2022</a:t>
             </a:fld>
             <a:endParaRPr lang="de-CH" noProof="0"/>
           </a:p>
@@ -2117,7 +2117,7 @@
           <a:p>
             <a:fld id="{F570A20D-9FD8-4251-A734-1127FF21ADB2}" type="datetime1">
               <a:rPr lang="de-CH" noProof="0" smtClean="0"/>
-              <a:t>09.11.2022</a:t>
+              <a:t>10.11.2022</a:t>
             </a:fld>
             <a:endParaRPr lang="de-CH" noProof="0"/>
           </a:p>
@@ -2517,7 +2517,7 @@
           <a:p>
             <a:fld id="{BB5F4EA9-B322-4AC6-9ED4-333F1AAC8416}" type="datetime1">
               <a:rPr lang="de-CH" noProof="0" smtClean="0"/>
-              <a:t>09.11.2022</a:t>
+              <a:t>10.11.2022</a:t>
             </a:fld>
             <a:endParaRPr lang="de-CH" noProof="0"/>
           </a:p>
@@ -2885,7 +2885,7 @@
           <a:p>
             <a:fld id="{CFD59B2A-9722-4479-8974-FDB801910172}" type="datetime1">
               <a:rPr lang="de-CH" noProof="0" smtClean="0"/>
-              <a:t>09.11.2022</a:t>
+              <a:t>10.11.2022</a:t>
             </a:fld>
             <a:endParaRPr lang="de-CH" noProof="0"/>
           </a:p>
@@ -4914,7 +4914,7 @@
           <a:p>
             <a:fld id="{6861D6AC-3BAC-4A50-9479-1E7CD895A648}" type="datetime1">
               <a:rPr lang="de-CH" noProof="0" smtClean="0"/>
-              <a:t>09.11.2022</a:t>
+              <a:t>10.11.2022</a:t>
             </a:fld>
             <a:endParaRPr lang="de-CH" noProof="0"/>
           </a:p>
@@ -5162,7 +5162,7 @@
           <a:p>
             <a:fld id="{360162FC-E8FF-4D52-8F53-8F2A2A3AD348}" type="datetime1">
               <a:rPr lang="de-CH" noProof="0" smtClean="0"/>
-              <a:t>09.11.2022</a:t>
+              <a:t>10.11.2022</a:t>
             </a:fld>
             <a:endParaRPr lang="de-CH" noProof="0"/>
           </a:p>
@@ -5410,7 +5410,7 @@
           <a:p>
             <a:fld id="{56D5A3C0-7A2F-4A62-9057-882FB8F5659A}" type="datetime1">
               <a:rPr lang="de-CH" noProof="0" smtClean="0"/>
-              <a:t>09.11.2022</a:t>
+              <a:t>10.11.2022</a:t>
             </a:fld>
             <a:endParaRPr lang="de-CH" noProof="0"/>
           </a:p>
@@ -5686,7 +5686,7 @@
           <a:p>
             <a:fld id="{73923CAD-8964-4A8E-9E9C-0F755B932903}" type="datetime1">
               <a:rPr lang="de-CH" noProof="0" smtClean="0"/>
-              <a:t>09.11.2022</a:t>
+              <a:t>10.11.2022</a:t>
             </a:fld>
             <a:endParaRPr lang="de-CH" noProof="0"/>
           </a:p>
@@ -7617,7 +7617,7 @@
           <a:p>
             <a:fld id="{269E37AB-EE9C-4565-B2FD-B1FC504BEE2A}" type="datetime1">
               <a:rPr lang="de-CH" noProof="0" smtClean="0"/>
-              <a:t>09.11.2022</a:t>
+              <a:t>10.11.2022</a:t>
             </a:fld>
             <a:endParaRPr lang="de-CH" noProof="0"/>
           </a:p>
@@ -8436,7 +8436,7 @@
           <a:p>
             <a:fld id="{81BBA0AA-1BCE-4639-8006-3089BF036293}" type="datetime1">
               <a:rPr lang="de-CH" noProof="0" smtClean="0"/>
-              <a:t>09.11.2022</a:t>
+              <a:t>10.11.2022</a:t>
             </a:fld>
             <a:endParaRPr lang="de-CH" noProof="0"/>
           </a:p>
@@ -8674,7 +8674,7 @@
           <a:p>
             <a:fld id="{298B387B-FBD3-42F8-9E31-B45335F65718}" type="datetime1">
               <a:rPr lang="de-CH" noProof="0" smtClean="0"/>
-              <a:t>09.11.2022</a:t>
+              <a:t>10.11.2022</a:t>
             </a:fld>
             <a:endParaRPr lang="de-CH" noProof="0"/>
           </a:p>
@@ -9572,7 +9572,7 @@
           <a:p>
             <a:fld id="{9C28B327-839C-4A2D-B2E8-7E49B2F41E4B}" type="datetime1">
               <a:rPr lang="de-CH" noProof="0" smtClean="0"/>
-              <a:t>09.11.2022</a:t>
+              <a:t>10.11.2022</a:t>
             </a:fld>
             <a:endParaRPr lang="de-CH" noProof="0"/>
           </a:p>
@@ -9841,7 +9841,7 @@
           <a:p>
             <a:fld id="{42875048-AF5F-4C0C-871E-871A72FE1BDB}" type="datetime1">
               <a:rPr lang="de-CH" noProof="0" smtClean="0"/>
-              <a:t>09.11.2022</a:t>
+              <a:t>10.11.2022</a:t>
             </a:fld>
             <a:endParaRPr lang="de-CH" noProof="0"/>
           </a:p>
@@ -9987,7 +9987,7 @@
           <a:p>
             <a:fld id="{E29D0051-2A47-4E27-9600-85B6B6FA0AD7}" type="datetime1">
               <a:rPr lang="de-CH" noProof="0" smtClean="0"/>
-              <a:t>09.11.2022</a:t>
+              <a:t>10.11.2022</a:t>
             </a:fld>
             <a:endParaRPr lang="de-CH" noProof="0"/>
           </a:p>
@@ -10867,7 +10867,7 @@
             </a:r>
             <a:r>
               <a:rPr lang="de-DE" dirty="0"/>
-              <a:t> Model: Attention Transition</a:t>
+              <a:t> Model: Attention Transition (ECCV2018)</a:t>
             </a:r>
           </a:p>
         </p:txBody>
@@ -11502,7 +11502,7 @@
         </p:nvSpPr>
         <p:spPr>
           <a:xfrm>
-            <a:off x="6961985" y="399460"/>
+            <a:off x="6961985" y="656805"/>
             <a:ext cx="4919661" cy="3108543"/>
           </a:xfrm>
           <a:prstGeom prst="rect">
@@ -12201,31 +12201,6 @@
       </p:sp>
       <p:sp>
         <p:nvSpPr>
-          <p:cNvPr id="3" name="Inhaltsplatzhalter 2">
-            <a:extLst>
-              <a:ext uri="{FF2B5EF4-FFF2-40B4-BE49-F238E27FC236}">
-                <a16:creationId xmlns:a16="http://schemas.microsoft.com/office/drawing/2014/main" id="{A7BBD159-7962-39C9-6956-80DE04AE4355}"/>
-              </a:ext>
-            </a:extLst>
-          </p:cNvPr>
-          <p:cNvSpPr>
-            <a:spLocks noGrp="1"/>
-          </p:cNvSpPr>
-          <p:nvPr>
-            <p:ph idx="1"/>
-          </p:nvPr>
-        </p:nvSpPr>
-        <p:spPr/>
-        <p:txBody>
-          <a:bodyPr/>
-          <a:lstStyle/>
-          <a:p>
-            <a:endParaRPr lang="de-DE"/>
-          </a:p>
-        </p:txBody>
-      </p:sp>
-      <p:sp>
-        <p:nvSpPr>
           <p:cNvPr id="4" name="Datumsplatzhalter 3">
             <a:extLst>
               <a:ext uri="{FF2B5EF4-FFF2-40B4-BE49-F238E27FC236}">
@@ -12386,7 +12361,10 @@
               <a:rPr lang="de-DE" dirty="0" err="1"/>
               <a:t>Correlation</a:t>
             </a:r>
-            <a:endParaRPr lang="de-DE" dirty="0"/>
+            <a:r>
+              <a:rPr lang="de-DE" dirty="0"/>
+              <a:t> (BMVC2022)</a:t>
+            </a:r>
           </a:p>
         </p:txBody>
       </p:sp>
